--- a/High School/Modern Electricity and Electronics/Unit 8 - Schematic builds/Section 3 - Beat metronome/Assets/U8S3 - Metronome.pptx
+++ b/High School/Modern Electricity and Electronics/Unit 8 - Schematic builds/Section 3 - Beat metronome/Assets/U8S3 - Metronome.pptx
@@ -5923,7 +5923,17 @@
             </a:pPr>
             <a:r>
               <a:rPr lang="en-US" sz="1700" dirty="0"/>
-              <a:t>Always check the datasheet to see what your circuit does</a:t>
+              <a:t>Always check the </a:t>
+            </a:r>
+            <a:r>
+              <a:rPr lang="en-US" sz="1700" dirty="0">
+                <a:hlinkClick r:id="rId3"/>
+              </a:rPr>
+              <a:t>datasheet</a:t>
+            </a:r>
+            <a:r>
+              <a:rPr lang="en-US" sz="1700" dirty="0"/>
+              <a:t> to see what your circuit does</a:t>
             </a:r>
           </a:p>
           <a:p>
